--- a/week_7/session_slides_wk8.pptx
+++ b/week_7/session_slides_wk8.pptx
@@ -199,7 +199,7 @@
           <a:p>
             <a:fld id="{16FA985C-253A-6A48-BBDB-3AC7D10D3D2D}" type="datetimeFigureOut">
               <a:rPr lang="en-US" smtClean="0"/>
-              <a:t>12/10/22</a:t>
+              <a:t>12/12/22</a:t>
             </a:fld>
             <a:endParaRPr lang="en-US"/>
           </a:p>
@@ -781,7 +781,7 @@
           <a:p>
             <a:fld id="{BDE264E9-38F4-48B8-8593-8B620B157356}" type="datetimeFigureOut">
               <a:rPr lang="en-US" smtClean="0"/>
-              <a:t>12/10/22</a:t>
+              <a:t>12/12/22</a:t>
             </a:fld>
             <a:endParaRPr lang="en-US"/>
           </a:p>
@@ -979,7 +979,7 @@
           <a:p>
             <a:fld id="{BDE264E9-38F4-48B8-8593-8B620B157356}" type="datetimeFigureOut">
               <a:rPr lang="en-US" smtClean="0"/>
-              <a:t>12/10/22</a:t>
+              <a:t>12/12/22</a:t>
             </a:fld>
             <a:endParaRPr lang="en-US"/>
           </a:p>
@@ -1187,7 +1187,7 @@
           <a:p>
             <a:fld id="{BDE264E9-38F4-48B8-8593-8B620B157356}" type="datetimeFigureOut">
               <a:rPr lang="en-US" smtClean="0"/>
-              <a:t>12/10/22</a:t>
+              <a:t>12/12/22</a:t>
             </a:fld>
             <a:endParaRPr lang="en-US"/>
           </a:p>
@@ -1385,7 +1385,7 @@
           <a:p>
             <a:fld id="{BDE264E9-38F4-48B8-8593-8B620B157356}" type="datetimeFigureOut">
               <a:rPr lang="en-US" smtClean="0"/>
-              <a:t>12/10/22</a:t>
+              <a:t>12/12/22</a:t>
             </a:fld>
             <a:endParaRPr lang="en-US"/>
           </a:p>
@@ -1660,7 +1660,7 @@
           <a:p>
             <a:fld id="{BDE264E9-38F4-48B8-8593-8B620B157356}" type="datetimeFigureOut">
               <a:rPr lang="en-US" smtClean="0"/>
-              <a:t>12/10/22</a:t>
+              <a:t>12/12/22</a:t>
             </a:fld>
             <a:endParaRPr lang="en-US"/>
           </a:p>
@@ -1925,7 +1925,7 @@
           <a:p>
             <a:fld id="{BDE264E9-38F4-48B8-8593-8B620B157356}" type="datetimeFigureOut">
               <a:rPr lang="en-US" smtClean="0"/>
-              <a:t>12/10/22</a:t>
+              <a:t>12/12/22</a:t>
             </a:fld>
             <a:endParaRPr lang="en-US"/>
           </a:p>
@@ -2337,7 +2337,7 @@
           <a:p>
             <a:fld id="{BDE264E9-38F4-48B8-8593-8B620B157356}" type="datetimeFigureOut">
               <a:rPr lang="en-US" smtClean="0"/>
-              <a:t>12/10/22</a:t>
+              <a:t>12/12/22</a:t>
             </a:fld>
             <a:endParaRPr lang="en-US"/>
           </a:p>
@@ -2478,7 +2478,7 @@
           <a:p>
             <a:fld id="{BDE264E9-38F4-48B8-8593-8B620B157356}" type="datetimeFigureOut">
               <a:rPr lang="en-US" smtClean="0"/>
-              <a:t>12/10/22</a:t>
+              <a:t>12/12/22</a:t>
             </a:fld>
             <a:endParaRPr lang="en-US"/>
           </a:p>
@@ -2591,7 +2591,7 @@
           <a:p>
             <a:fld id="{BDE264E9-38F4-48B8-8593-8B620B157356}" type="datetimeFigureOut">
               <a:rPr lang="en-US" smtClean="0"/>
-              <a:t>12/10/22</a:t>
+              <a:t>12/12/22</a:t>
             </a:fld>
             <a:endParaRPr lang="en-US"/>
           </a:p>
@@ -2902,7 +2902,7 @@
           <a:p>
             <a:fld id="{BDE264E9-38F4-48B8-8593-8B620B157356}" type="datetimeFigureOut">
               <a:rPr lang="en-US" smtClean="0"/>
-              <a:t>12/10/22</a:t>
+              <a:t>12/12/22</a:t>
             </a:fld>
             <a:endParaRPr lang="en-US"/>
           </a:p>
@@ -3190,7 +3190,7 @@
           <a:p>
             <a:fld id="{BDE264E9-38F4-48B8-8593-8B620B157356}" type="datetimeFigureOut">
               <a:rPr lang="en-US" smtClean="0"/>
-              <a:t>12/10/22</a:t>
+              <a:t>12/12/22</a:t>
             </a:fld>
             <a:endParaRPr lang="en-US"/>
           </a:p>
@@ -3431,7 +3431,7 @@
           <a:p>
             <a:fld id="{BDE264E9-38F4-48B8-8593-8B620B157356}" type="datetimeFigureOut">
               <a:rPr lang="en-US" smtClean="0"/>
-              <a:t>12/10/22</a:t>
+              <a:t>12/12/22</a:t>
             </a:fld>
             <a:endParaRPr lang="en-US"/>
           </a:p>
@@ -4097,7 +4097,7 @@
                 <a:ea typeface="Open Sans" panose="020B0606030504020204" pitchFamily="34" charset="0"/>
                 <a:cs typeface="Open Sans" panose="020B0606030504020204" pitchFamily="34" charset="0"/>
               </a:rPr>
-              <a:t>December 10, 2022</a:t>
+              <a:t>December 12, 2022</a:t>
             </a:fld>
             <a:endParaRPr lang="en-US" sz="2400" dirty="0">
               <a:solidFill>
@@ -4401,8 +4401,47 @@
                 <a:ea typeface="Open Sans" panose="020B0606030504020204" pitchFamily="34" charset="0"/>
                 <a:cs typeface="Open Sans" panose="020B0606030504020204" pitchFamily="34" charset="0"/>
               </a:rPr>
-              <a:t>Reminder to use same names, and email addresses on Zoom and Udacity for attendance</a:t>
+              <a:t>Last Session for the Introductory Part of the Course</a:t>
             </a:r>
+          </a:p>
+          <a:p>
+            <a:pPr marL="342900" indent="-342900">
+              <a:lnSpc>
+                <a:spcPct val="150000"/>
+              </a:lnSpc>
+              <a:buFont typeface="Arial" panose="020B0604020202020204" pitchFamily="34" charset="0"/>
+              <a:buChar char="•"/>
+            </a:pPr>
+            <a:r>
+              <a:rPr lang="en-US" sz="2300" dirty="0">
+                <a:solidFill>
+                  <a:schemeClr val="bg1"/>
+                </a:solidFill>
+                <a:latin typeface="Abadi" panose="020B0604020104020204" pitchFamily="34" charset="0"/>
+                <a:ea typeface="Open Sans" panose="020B0606030504020204" pitchFamily="34" charset="0"/>
+                <a:cs typeface="Open Sans" panose="020B0606030504020204" pitchFamily="34" charset="0"/>
+              </a:rPr>
+              <a:t>No sessions for the </a:t>
+            </a:r>
+            <a:r>
+              <a:rPr lang="en-US" sz="2300">
+                <a:solidFill>
+                  <a:schemeClr val="bg1"/>
+                </a:solidFill>
+                <a:latin typeface="Abadi" panose="020B0604020104020204" pitchFamily="34" charset="0"/>
+                <a:ea typeface="Open Sans" panose="020B0606030504020204" pitchFamily="34" charset="0"/>
+                <a:cs typeface="Open Sans" panose="020B0606030504020204" pitchFamily="34" charset="0"/>
+              </a:rPr>
+              <a:t>next two weeks</a:t>
+            </a:r>
+            <a:endParaRPr lang="en-US" sz="2300" dirty="0">
+              <a:solidFill>
+                <a:schemeClr val="bg1"/>
+              </a:solidFill>
+              <a:latin typeface="Abadi" panose="020B0604020104020204" pitchFamily="34" charset="0"/>
+              <a:ea typeface="Open Sans" panose="020B0606030504020204" pitchFamily="34" charset="0"/>
+              <a:cs typeface="Open Sans" panose="020B0606030504020204" pitchFamily="34" charset="0"/>
+            </a:endParaRPr>
           </a:p>
           <a:p>
             <a:pPr marL="342900" indent="-342900">
@@ -4591,7 +4630,7 @@
               <a:t>/</a:t>
             </a:r>
             <a:r>
-              <a:rPr lang="en-US" sz="2000" u="sng">
+              <a:rPr lang="en-US" sz="2000" u="sng" dirty="0" err="1">
                 <a:solidFill>
                   <a:schemeClr val="bg1"/>
                 </a:solidFill>

--- a/week_7/session_slides_wk8.pptx
+++ b/week_7/session_slides_wk8.pptx
@@ -4372,7 +4372,7 @@
         <p:spPr>
           <a:xfrm>
             <a:off x="651558" y="981455"/>
-            <a:ext cx="11098482" cy="5145126"/>
+            <a:ext cx="11098482" cy="5606791"/>
           </a:xfrm>
           <a:prstGeom prst="rect">
             <a:avLst/>
@@ -4421,27 +4421,8 @@
                 <a:ea typeface="Open Sans" panose="020B0606030504020204" pitchFamily="34" charset="0"/>
                 <a:cs typeface="Open Sans" panose="020B0606030504020204" pitchFamily="34" charset="0"/>
               </a:rPr>
-              <a:t>No sessions for the </a:t>
+              <a:t>No sessions for the next two weeks</a:t>
             </a:r>
-            <a:r>
-              <a:rPr lang="en-US" sz="2300">
-                <a:solidFill>
-                  <a:schemeClr val="bg1"/>
-                </a:solidFill>
-                <a:latin typeface="Abadi" panose="020B0604020104020204" pitchFamily="34" charset="0"/>
-                <a:ea typeface="Open Sans" panose="020B0606030504020204" pitchFamily="34" charset="0"/>
-                <a:cs typeface="Open Sans" panose="020B0606030504020204" pitchFamily="34" charset="0"/>
-              </a:rPr>
-              <a:t>next two weeks</a:t>
-            </a:r>
-            <a:endParaRPr lang="en-US" sz="2300" dirty="0">
-              <a:solidFill>
-                <a:schemeClr val="bg1"/>
-              </a:solidFill>
-              <a:latin typeface="Abadi" panose="020B0604020104020204" pitchFamily="34" charset="0"/>
-              <a:ea typeface="Open Sans" panose="020B0606030504020204" pitchFamily="34" charset="0"/>
-              <a:cs typeface="Open Sans" panose="020B0606030504020204" pitchFamily="34" charset="0"/>
-            </a:endParaRPr>
           </a:p>
           <a:p>
             <a:pPr marL="342900" indent="-342900">
@@ -4656,6 +4637,46 @@
               </a:lnSpc>
               <a:buFont typeface="Arial" panose="020B0604020202020204" pitchFamily="34" charset="0"/>
               <a:buChar char="•"/>
+            </a:pPr>
+            <a:r>
+              <a:rPr lang="en-US" sz="2000" dirty="0">
+                <a:solidFill>
+                  <a:schemeClr val="bg1"/>
+                </a:solidFill>
+                <a:latin typeface="Abadi" panose="020B0604020104020204" pitchFamily="34" charset="0"/>
+                <a:ea typeface="Open Sans" panose="020B0606030504020204" pitchFamily="34" charset="0"/>
+                <a:cs typeface="Open Sans" panose="020B0606030504020204" pitchFamily="34" charset="0"/>
+              </a:rPr>
+              <a:t>https://</a:t>
+            </a:r>
+            <a:r>
+              <a:rPr lang="en-US" sz="2000" dirty="0" err="1">
+                <a:solidFill>
+                  <a:schemeClr val="bg1"/>
+                </a:solidFill>
+                <a:latin typeface="Abadi" panose="020B0604020104020204" pitchFamily="34" charset="0"/>
+                <a:ea typeface="Open Sans" panose="020B0606030504020204" pitchFamily="34" charset="0"/>
+                <a:cs typeface="Open Sans" panose="020B0606030504020204" pitchFamily="34" charset="0"/>
+              </a:rPr>
+              <a:t>javascript.info</a:t>
+            </a:r>
+            <a:r>
+              <a:rPr lang="en-US" sz="2000" dirty="0">
+                <a:solidFill>
+                  <a:schemeClr val="bg1"/>
+                </a:solidFill>
+                <a:latin typeface="Abadi" panose="020B0604020104020204" pitchFamily="34" charset="0"/>
+                <a:ea typeface="Open Sans" panose="020B0606030504020204" pitchFamily="34" charset="0"/>
+                <a:cs typeface="Open Sans" panose="020B0606030504020204" pitchFamily="34" charset="0"/>
+              </a:rPr>
+              <a:t>/introduction-browser-events</a:t>
+            </a:r>
+          </a:p>
+          <a:p>
+            <a:pPr>
+              <a:lnSpc>
+                <a:spcPct val="150000"/>
+              </a:lnSpc>
             </a:pPr>
             <a:r>
               <a:rPr lang="en-US" sz="2000" dirty="0">
